--- a/Angular.pptx
+++ b/Angular.pptx
@@ -131,6 +131,14 @@
 </p:presentation>
 </file>
 
+<file path=ppt/revisionInfo.xml><?xml version="1.0" encoding="utf-8"?>
+<p1510:revInfo xmlns:a="http://schemas.openxmlformats.org/drawingml/2006/main" xmlns:r="http://schemas.openxmlformats.org/officeDocument/2006/relationships" xmlns:p1510="http://schemas.microsoft.com/office/powerpoint/2015/10/main">
+  <p1510:revLst>
+    <p1510:client id="{270D33DE-E82A-46CC-B11A-8D32A45127F4}" v="50" dt="2020-01-12T15:11:02.617"/>
+  </p1510:revLst>
+</p1510:revInfo>
+</file>
+
 <file path=ppt/changesInfos/changesInfo1.xml><?xml version="1.0" encoding="utf-8"?>
 <pc:chgInfo xmlns:a="http://schemas.openxmlformats.org/drawingml/2006/main" xmlns:r="http://schemas.openxmlformats.org/officeDocument/2006/relationships" xmlns:ac="http://schemas.microsoft.com/office/drawing/2013/main/command" xmlns:pc="http://schemas.microsoft.com/office/powerpoint/2013/main/command">
   <pc:docChgLst>
@@ -185,6 +193,60 @@
             <ac:picMk id="4" creationId="{7D147465-D1F5-40C6-AD6B-1CC1A5A36773}"/>
           </ac:picMkLst>
         </pc:picChg>
+      </pc:sldChg>
+    </pc:docChg>
+  </pc:docChgLst>
+  <pc:docChgLst>
+    <pc:chgData name="Cka Soriano" userId="6d9f052c95858b2d" providerId="Windows Live" clId="Web-{270D33DE-E82A-46CC-B11A-8D32A45127F4}"/>
+    <pc:docChg chg="modSld">
+      <pc:chgData name="Cka Soriano" userId="6d9f052c95858b2d" providerId="Windows Live" clId="Web-{270D33DE-E82A-46CC-B11A-8D32A45127F4}" dt="2020-01-12T15:11:02.617" v="49" actId="20577"/>
+      <pc:docMkLst>
+        <pc:docMk/>
+      </pc:docMkLst>
+      <pc:sldChg chg="modSp">
+        <pc:chgData name="Cka Soriano" userId="6d9f052c95858b2d" providerId="Windows Live" clId="Web-{270D33DE-E82A-46CC-B11A-8D32A45127F4}" dt="2020-01-12T14:35:39.820" v="12" actId="20577"/>
+        <pc:sldMkLst>
+          <pc:docMk/>
+          <pc:sldMk cId="3082175306" sldId="257"/>
+        </pc:sldMkLst>
+        <pc:spChg chg="mod">
+          <ac:chgData name="Cka Soriano" userId="6d9f052c95858b2d" providerId="Windows Live" clId="Web-{270D33DE-E82A-46CC-B11A-8D32A45127F4}" dt="2020-01-12T14:35:39.820" v="12" actId="20577"/>
+          <ac:spMkLst>
+            <pc:docMk/>
+            <pc:sldMk cId="3082175306" sldId="257"/>
+            <ac:spMk id="3" creationId="{FEC27D79-7BD3-46F2-B341-880495DDCD72}"/>
+          </ac:spMkLst>
+        </pc:spChg>
+      </pc:sldChg>
+      <pc:sldChg chg="modSp">
+        <pc:chgData name="Cka Soriano" userId="6d9f052c95858b2d" providerId="Windows Live" clId="Web-{270D33DE-E82A-46CC-B11A-8D32A45127F4}" dt="2020-01-12T14:47:00.045" v="36" actId="20577"/>
+        <pc:sldMkLst>
+          <pc:docMk/>
+          <pc:sldMk cId="541298031" sldId="259"/>
+        </pc:sldMkLst>
+        <pc:spChg chg="mod">
+          <ac:chgData name="Cka Soriano" userId="6d9f052c95858b2d" providerId="Windows Live" clId="Web-{270D33DE-E82A-46CC-B11A-8D32A45127F4}" dt="2020-01-12T14:47:00.045" v="36" actId="20577"/>
+          <ac:spMkLst>
+            <pc:docMk/>
+            <pc:sldMk cId="541298031" sldId="259"/>
+            <ac:spMk id="3" creationId="{FEC27D79-7BD3-46F2-B341-880495DDCD72}"/>
+          </ac:spMkLst>
+        </pc:spChg>
+      </pc:sldChg>
+      <pc:sldChg chg="modSp">
+        <pc:chgData name="Cka Soriano" userId="6d9f052c95858b2d" providerId="Windows Live" clId="Web-{270D33DE-E82A-46CC-B11A-8D32A45127F4}" dt="2020-01-12T15:11:02.617" v="48" actId="20577"/>
+        <pc:sldMkLst>
+          <pc:docMk/>
+          <pc:sldMk cId="2192039599" sldId="264"/>
+        </pc:sldMkLst>
+        <pc:spChg chg="mod">
+          <ac:chgData name="Cka Soriano" userId="6d9f052c95858b2d" providerId="Windows Live" clId="Web-{270D33DE-E82A-46CC-B11A-8D32A45127F4}" dt="2020-01-12T15:11:02.617" v="48" actId="20577"/>
+          <ac:spMkLst>
+            <pc:docMk/>
+            <pc:sldMk cId="2192039599" sldId="264"/>
+            <ac:spMk id="3" creationId="{DC3276F0-12CD-4D70-8E21-1EF017D9994B}"/>
+          </ac:spMkLst>
+        </pc:spChg>
       </pc:sldChg>
     </pc:docChg>
   </pc:docChgLst>
@@ -3604,7 +3666,7 @@
           <a:p>
             <a:fld id="{E89150DF-3637-4F0E-9429-C4B70CE8BB6A}" type="datetimeFigureOut">
               <a:rPr lang="es-ES" smtClean="0"/>
-              <a:t>10/01/2020</a:t>
+              <a:t>12/01/2020</a:t>
             </a:fld>
             <a:endParaRPr lang="es-ES"/>
           </a:p>
@@ -3781,7 +3843,7 @@
           <a:p>
             <a:fld id="{371B921B-03F3-407F-98D3-34927BC13CC4}" type="datetimeFigureOut">
               <a:rPr lang="es-ES" smtClean="0"/>
-              <a:t>10/01/2020</a:t>
+              <a:t>12/01/2020</a:t>
             </a:fld>
             <a:endParaRPr lang="es-ES"/>
           </a:p>
@@ -4793,7 +4855,7 @@
           <a:p>
             <a:fld id="{9114AEA4-5F96-49B0-8EA6-053ECC75BD84}" type="datetimeFigureOut">
               <a:rPr lang="es-ES" smtClean="0"/>
-              <a:t>10/01/2020</a:t>
+              <a:t>12/01/2020</a:t>
             </a:fld>
             <a:endParaRPr lang="es-ES"/>
           </a:p>
@@ -5044,7 +5106,7 @@
           <a:p>
             <a:fld id="{9114AEA4-5F96-49B0-8EA6-053ECC75BD84}" type="datetimeFigureOut">
               <a:rPr lang="es-ES" smtClean="0"/>
-              <a:t>10/01/2020</a:t>
+              <a:t>12/01/2020</a:t>
             </a:fld>
             <a:endParaRPr lang="es-ES"/>
           </a:p>
@@ -5358,7 +5420,7 @@
           <a:p>
             <a:fld id="{9114AEA4-5F96-49B0-8EA6-053ECC75BD84}" type="datetimeFigureOut">
               <a:rPr lang="es-ES" smtClean="0"/>
-              <a:t>10/01/2020</a:t>
+              <a:t>12/01/2020</a:t>
             </a:fld>
             <a:endParaRPr lang="es-ES"/>
           </a:p>
@@ -5691,7 +5753,7 @@
           <a:p>
             <a:fld id="{9114AEA4-5F96-49B0-8EA6-053ECC75BD84}" type="datetimeFigureOut">
               <a:rPr lang="es-ES" smtClean="0"/>
-              <a:t>10/01/2020</a:t>
+              <a:t>12/01/2020</a:t>
             </a:fld>
             <a:endParaRPr lang="es-ES"/>
           </a:p>
@@ -6005,7 +6067,7 @@
           <a:p>
             <a:fld id="{9114AEA4-5F96-49B0-8EA6-053ECC75BD84}" type="datetimeFigureOut">
               <a:rPr lang="es-ES" smtClean="0"/>
-              <a:t>10/01/2020</a:t>
+              <a:t>12/01/2020</a:t>
             </a:fld>
             <a:endParaRPr lang="es-ES"/>
           </a:p>
@@ -6398,7 +6460,7 @@
           <a:p>
             <a:fld id="{9114AEA4-5F96-49B0-8EA6-053ECC75BD84}" type="datetimeFigureOut">
               <a:rPr lang="es-ES" smtClean="0"/>
-              <a:t>10/01/2020</a:t>
+              <a:t>12/01/2020</a:t>
             </a:fld>
             <a:endParaRPr lang="es-ES"/>
           </a:p>
@@ -6568,7 +6630,7 @@
           <a:p>
             <a:fld id="{9114AEA4-5F96-49B0-8EA6-053ECC75BD84}" type="datetimeFigureOut">
               <a:rPr lang="es-ES" smtClean="0"/>
-              <a:t>10/01/2020</a:t>
+              <a:t>12/01/2020</a:t>
             </a:fld>
             <a:endParaRPr lang="es-ES"/>
           </a:p>
@@ -6748,7 +6810,7 @@
           <a:p>
             <a:fld id="{9114AEA4-5F96-49B0-8EA6-053ECC75BD84}" type="datetimeFigureOut">
               <a:rPr lang="es-ES" smtClean="0"/>
-              <a:t>10/01/2020</a:t>
+              <a:t>12/01/2020</a:t>
             </a:fld>
             <a:endParaRPr lang="es-ES"/>
           </a:p>
@@ -6918,7 +6980,7 @@
           <a:p>
             <a:fld id="{9114AEA4-5F96-49B0-8EA6-053ECC75BD84}" type="datetimeFigureOut">
               <a:rPr lang="es-ES" smtClean="0"/>
-              <a:t>10/01/2020</a:t>
+              <a:t>12/01/2020</a:t>
             </a:fld>
             <a:endParaRPr lang="es-ES"/>
           </a:p>
@@ -7165,7 +7227,7 @@
           <a:p>
             <a:fld id="{9114AEA4-5F96-49B0-8EA6-053ECC75BD84}" type="datetimeFigureOut">
               <a:rPr lang="es-ES" smtClean="0"/>
-              <a:t>10/01/2020</a:t>
+              <a:t>12/01/2020</a:t>
             </a:fld>
             <a:endParaRPr lang="es-ES"/>
           </a:p>
@@ -7397,7 +7459,7 @@
           <a:p>
             <a:fld id="{9114AEA4-5F96-49B0-8EA6-053ECC75BD84}" type="datetimeFigureOut">
               <a:rPr lang="es-ES" smtClean="0"/>
-              <a:t>10/01/2020</a:t>
+              <a:t>12/01/2020</a:t>
             </a:fld>
             <a:endParaRPr lang="es-ES"/>
           </a:p>
@@ -7771,7 +7833,7 @@
           <a:p>
             <a:fld id="{9114AEA4-5F96-49B0-8EA6-053ECC75BD84}" type="datetimeFigureOut">
               <a:rPr lang="es-ES" smtClean="0"/>
-              <a:t>10/01/2020</a:t>
+              <a:t>12/01/2020</a:t>
             </a:fld>
             <a:endParaRPr lang="es-ES"/>
           </a:p>
@@ -7894,7 +7956,7 @@
           <a:p>
             <a:fld id="{9114AEA4-5F96-49B0-8EA6-053ECC75BD84}" type="datetimeFigureOut">
               <a:rPr lang="es-ES" smtClean="0"/>
-              <a:t>10/01/2020</a:t>
+              <a:t>12/01/2020</a:t>
             </a:fld>
             <a:endParaRPr lang="es-ES"/>
           </a:p>
@@ -7989,7 +8051,7 @@
           <a:p>
             <a:fld id="{9114AEA4-5F96-49B0-8EA6-053ECC75BD84}" type="datetimeFigureOut">
               <a:rPr lang="es-ES" smtClean="0"/>
-              <a:t>10/01/2020</a:t>
+              <a:t>12/01/2020</a:t>
             </a:fld>
             <a:endParaRPr lang="es-ES"/>
           </a:p>
@@ -8244,7 +8306,7 @@
           <a:p>
             <a:fld id="{9114AEA4-5F96-49B0-8EA6-053ECC75BD84}" type="datetimeFigureOut">
               <a:rPr lang="es-ES" smtClean="0"/>
-              <a:t>10/01/2020</a:t>
+              <a:t>12/01/2020</a:t>
             </a:fld>
             <a:endParaRPr lang="es-ES"/>
           </a:p>
@@ -8549,7 +8611,7 @@
           <a:p>
             <a:fld id="{9114AEA4-5F96-49B0-8EA6-053ECC75BD84}" type="datetimeFigureOut">
               <a:rPr lang="es-ES" smtClean="0"/>
-              <a:t>10/01/2020</a:t>
+              <a:t>12/01/2020</a:t>
             </a:fld>
             <a:endParaRPr lang="es-ES"/>
           </a:p>
@@ -9251,7 +9313,7 @@
           <a:p>
             <a:fld id="{9114AEA4-5F96-49B0-8EA6-053ECC75BD84}" type="datetimeFigureOut">
               <a:rPr lang="es-ES" smtClean="0"/>
-              <a:t>10/01/2020</a:t>
+              <a:t>12/01/2020</a:t>
             </a:fld>
             <a:endParaRPr lang="es-ES"/>
           </a:p>
@@ -10934,7 +10996,7 @@
           </a:xfrm>
         </p:spPr>
         <p:txBody>
-          <a:bodyPr>
+          <a:bodyPr vert="horz" lIns="91440" tIns="45720" rIns="91440" bIns="45720" rtlCol="0" anchor="t">
             <a:normAutofit/>
           </a:bodyPr>
           <a:lstStyle/>
@@ -10951,33 +11013,34 @@
               <a:buChar char="Ø"/>
             </a:pPr>
             <a:r>
-              <a:rPr lang="es-ES" sz="1300"/>
+              <a:rPr lang="es-ES" sz="1300" dirty="0"/>
               <a:t>Angular es un </a:t>
             </a:r>
             <a:r>
-              <a:rPr lang="es-ES" sz="1300" b="1" err="1"/>
+              <a:rPr lang="es-ES" sz="1300" b="1" dirty="0" err="1"/>
               <a:t>framework</a:t>
             </a:r>
             <a:r>
-              <a:rPr lang="es-ES" sz="1300"/>
+              <a:rPr lang="es-ES" sz="1300" dirty="0"/>
               <a:t> de desarrollo para </a:t>
             </a:r>
             <a:r>
-              <a:rPr lang="es-ES" sz="1300" b="1"/>
+              <a:rPr lang="es-ES" sz="1300" b="1" dirty="0"/>
               <a:t>JavaScript</a:t>
             </a:r>
             <a:r>
-              <a:rPr lang="es-ES" sz="1300"/>
+              <a:rPr lang="es-ES" sz="1300" dirty="0"/>
               <a:t> creado por </a:t>
             </a:r>
             <a:r>
-              <a:rPr lang="es-ES" sz="1300" b="1"/>
+              <a:rPr lang="es-ES" sz="1300" b="1" dirty="0"/>
               <a:t>Google</a:t>
             </a:r>
             <a:r>
-              <a:rPr lang="es-ES" sz="1300"/>
-              <a:t>. </a:t>
-            </a:r>
+              <a:rPr lang="es-ES" sz="1300" dirty="0"/>
+              <a:t>. </a:t>
+            </a:r>
+            <a:endParaRPr lang="es-ES" dirty="0"/>
           </a:p>
           <a:p>
             <a:pPr>
@@ -11006,31 +11069,31 @@
               <a:buChar char="Ø"/>
             </a:pPr>
             <a:r>
-              <a:rPr lang="es-ES" sz="1300"/>
+              <a:rPr lang="es-ES" sz="1300" dirty="0"/>
               <a:t>La finalidad de este </a:t>
             </a:r>
             <a:r>
-              <a:rPr lang="es-ES" sz="1300" err="1"/>
+              <a:rPr lang="es-ES" sz="1300" dirty="0" err="1"/>
               <a:t>framework</a:t>
             </a:r>
             <a:r>
-              <a:rPr lang="es-ES" sz="1300"/>
+              <a:rPr lang="es-ES" sz="1300" dirty="0"/>
               <a:t> es </a:t>
             </a:r>
             <a:r>
-              <a:rPr lang="es-ES" sz="1300" b="1"/>
+              <a:rPr lang="es-ES" sz="1300" b="1" dirty="0"/>
               <a:t>facilitar el desarrollo de aplicaciones web</a:t>
             </a:r>
             <a:r>
-              <a:rPr lang="es-ES" sz="1300"/>
+              <a:rPr lang="es-ES" sz="1300" dirty="0"/>
               <a:t> SPA (Single Page </a:t>
             </a:r>
             <a:r>
-              <a:rPr lang="es-ES" sz="1300" err="1"/>
+              <a:rPr lang="es-ES" sz="1300" dirty="0" err="1"/>
               <a:t>Application</a:t>
             </a:r>
             <a:r>
-              <a:rPr lang="es-ES" sz="1300"/>
+              <a:rPr lang="es-ES" sz="1300" dirty="0"/>
               <a:t>).</a:t>
             </a:r>
           </a:p>
@@ -11061,16 +11124,16 @@
               <a:buChar char="Ø"/>
             </a:pPr>
             <a:r>
-              <a:rPr lang="es-ES" sz="1300"/>
+              <a:rPr lang="es-ES" sz="1300" dirty="0"/>
               <a:t>Ofrece herramientas para trabajar con los elementos de una web de una manera </a:t>
             </a:r>
             <a:r>
-              <a:rPr lang="es-ES" sz="1300" b="1"/>
+              <a:rPr lang="es-ES" sz="1300" b="1" dirty="0"/>
               <a:t>sencilla y óptima</a:t>
             </a:r>
             <a:r>
-              <a:rPr lang="es-ES" sz="1300"/>
-              <a:t>. </a:t>
+              <a:rPr lang="es-ES" sz="1300" dirty="0"/>
+              <a:t>. </a:t>
             </a:r>
           </a:p>
           <a:p>
@@ -11100,39 +11163,39 @@
               <a:buChar char="Ø"/>
             </a:pPr>
             <a:r>
-              <a:rPr lang="es-ES" sz="1300"/>
+              <a:rPr lang="es-ES" sz="1300" dirty="0"/>
               <a:t>Permite </a:t>
             </a:r>
             <a:r>
-              <a:rPr lang="es-ES" sz="1300" b="1"/>
+              <a:rPr lang="es-ES" sz="1300" b="1" dirty="0"/>
               <a:t>separar</a:t>
             </a:r>
             <a:r>
-              <a:rPr lang="es-ES" sz="1300"/>
+              <a:rPr lang="es-ES" sz="1300" dirty="0"/>
               <a:t> de forma completa el </a:t>
             </a:r>
             <a:r>
-              <a:rPr lang="es-ES" sz="1300" b="1"/>
+              <a:rPr lang="es-ES" sz="1300" b="1" dirty="0"/>
               <a:t>Front-</a:t>
             </a:r>
             <a:r>
-              <a:rPr lang="es-ES" sz="1300" b="1" err="1"/>
+              <a:rPr lang="es-ES" sz="1300" b="1" dirty="0" err="1"/>
               <a:t>end</a:t>
             </a:r>
             <a:r>
-              <a:rPr lang="es-ES" sz="1300"/>
+              <a:rPr lang="es-ES" sz="1300" dirty="0"/>
               <a:t> y el </a:t>
             </a:r>
             <a:r>
-              <a:rPr lang="es-ES" sz="1300" b="1"/>
+              <a:rPr lang="es-ES" sz="1300" b="1" dirty="0"/>
               <a:t>Back-</a:t>
             </a:r>
             <a:r>
-              <a:rPr lang="es-ES" sz="1300" b="1" err="1"/>
+              <a:rPr lang="es-ES" sz="1300" b="1" dirty="0" err="1"/>
               <a:t>end</a:t>
             </a:r>
             <a:r>
-              <a:rPr lang="es-ES" sz="1300"/>
+              <a:rPr lang="es-ES" sz="1300" dirty="0"/>
               <a:t> de la aplicación.</a:t>
             </a:r>
           </a:p>
@@ -11163,15 +11226,15 @@
               <a:buChar char="Ø"/>
             </a:pPr>
             <a:r>
-              <a:rPr lang="es-ES" sz="1300"/>
+              <a:rPr lang="es-ES" sz="1300" dirty="0"/>
               <a:t>Las aplicaciones creadas en Angular pueden </a:t>
             </a:r>
             <a:r>
-              <a:rPr lang="es-ES" sz="1300" b="1"/>
+              <a:rPr lang="es-ES" sz="1300" b="1" dirty="0"/>
               <a:t>ser usadas en dispositivos móviles y de escritorio</a:t>
             </a:r>
             <a:r>
-              <a:rPr lang="es-ES" sz="1300"/>
+              <a:rPr lang="es-ES" sz="1300" dirty="0"/>
               <a:t>, usando el modelo vista controlador (MVC).</a:t>
             </a:r>
           </a:p>
@@ -11202,31 +11265,31 @@
               <a:buChar char="Ø"/>
             </a:pPr>
             <a:r>
-              <a:rPr lang="es-ES" sz="1300"/>
+              <a:rPr lang="es-ES" sz="1300" dirty="0"/>
               <a:t>El mayor peso de la ejecución es </a:t>
             </a:r>
             <a:r>
-              <a:rPr lang="es-ES" sz="1300" b="1"/>
+              <a:rPr lang="es-ES" sz="1300" b="1" dirty="0"/>
               <a:t>soportado por el lado del cliente</a:t>
             </a:r>
             <a:r>
-              <a:rPr lang="es-ES" sz="1300"/>
+              <a:rPr lang="es-ES" sz="1300" dirty="0"/>
               <a:t>, </a:t>
             </a:r>
             <a:r>
-              <a:rPr lang="es-ES" sz="1300" b="1"/>
+              <a:rPr lang="es-ES" sz="1300" b="1" dirty="0"/>
               <a:t>liberando</a:t>
             </a:r>
             <a:r>
-              <a:rPr lang="es-ES" sz="1300"/>
+              <a:rPr lang="es-ES" sz="1300" dirty="0"/>
               <a:t> así de </a:t>
             </a:r>
             <a:r>
-              <a:rPr lang="es-ES" sz="1300" b="1"/>
+              <a:rPr lang="es-ES" sz="1300" b="1" dirty="0"/>
               <a:t>peso al servidor</a:t>
             </a:r>
             <a:r>
-              <a:rPr lang="es-ES" sz="1300"/>
+              <a:rPr lang="es-ES" sz="1300" dirty="0"/>
               <a:t>.</a:t>
             </a:r>
           </a:p>
@@ -11504,7 +11567,7 @@
           </a:xfrm>
         </p:spPr>
         <p:txBody>
-          <a:bodyPr>
+          <a:bodyPr vert="horz" lIns="91440" tIns="45720" rIns="91440" bIns="45720" rtlCol="0" anchor="t">
             <a:normAutofit/>
           </a:bodyPr>
           <a:lstStyle/>
@@ -11518,11 +11581,11 @@
               <a:buChar char="Ø"/>
             </a:pPr>
             <a:r>
-              <a:rPr lang="es-ES" b="1"/>
+              <a:rPr lang="es-ES" b="1" dirty="0"/>
               <a:t>Desarrollo Móvil</a:t>
             </a:r>
             <a:r>
-              <a:rPr lang="es-ES"/>
+              <a:rPr lang="es-ES" dirty="0"/>
               <a:t>: El desarrollo de aplicaciones de escritorio es mucho más fácil cuando primero se manejan los problemas de rendimiento en el desarrollo móvil.</a:t>
             </a:r>
           </a:p>
@@ -11547,11 +11610,11 @@
               <a:buChar char="Ø"/>
             </a:pPr>
             <a:r>
-              <a:rPr lang="es-ES" b="1"/>
+              <a:rPr lang="es-ES" b="1" dirty="0"/>
               <a:t>Modularidad</a:t>
             </a:r>
             <a:r>
-              <a:rPr lang="es-ES"/>
+              <a:rPr lang="es-ES" dirty="0"/>
               <a:t>: Para desarrollar una nueva funcionalidad esta se empaqueta en un módulo, produciendo un núcleo más ligero y más rápido.</a:t>
             </a:r>
           </a:p>
@@ -11576,11 +11639,11 @@
               <a:buChar char="Ø"/>
             </a:pPr>
             <a:r>
-              <a:rPr lang="es-ES" b="1"/>
+              <a:rPr lang="es-ES" b="1" dirty="0"/>
               <a:t>Compatibilidad</a:t>
             </a:r>
             <a:r>
-              <a:rPr lang="es-ES"/>
+              <a:rPr lang="es-ES" dirty="0"/>
               <a:t>: Es compatible con los navegadores más modernos y recientes.</a:t>
             </a:r>
           </a:p>
@@ -13297,28 +13360,44 @@
           </a:xfrm>
         </p:spPr>
         <p:txBody>
-          <a:bodyPr>
+          <a:bodyPr vert="horz" lIns="91440" tIns="45720" rIns="91440" bIns="45720" rtlCol="0" anchor="t">
             <a:normAutofit/>
           </a:bodyPr>
           <a:lstStyle/>
           <a:p>
             <a:r>
-              <a:rPr lang="es-ES">
+              <a:rPr lang="es-ES" dirty="0">
                 <a:solidFill>
                   <a:schemeClr val="bg1"/>
                 </a:solidFill>
               </a:rPr>
-              <a:t>El objetivo de nuestro curso será el de construir una aplicación en la cuál iremos viendo paso a paso los principales componentes de Angular</a:t>
-            </a:r>
-          </a:p>
-          <a:p>
-            <a:r>
-              <a:rPr lang="es-ES">
+              <a:t>El objetivo de nuestro curso será el de construir una aplicación en la </a:t>
+            </a:r>
+            <a:r>
+              <a:rPr lang="es-ES" dirty="0" err="1">
                 <a:solidFill>
                   <a:schemeClr val="bg1"/>
                 </a:solidFill>
               </a:rPr>
-              <a:t>El resultado final de nuestra aplicación debería de ser algo parecido a la siguiente navegación: </a:t>
+              <a:t>cuál</a:t>
+            </a:r>
+            <a:r>
+              <a:rPr lang="es-ES" dirty="0">
+                <a:solidFill>
+                  <a:schemeClr val="bg1"/>
+                </a:solidFill>
+              </a:rPr>
+              <a:t> iremos viendo paso a paso los principales componentes de Angular</a:t>
+            </a:r>
+          </a:p>
+          <a:p>
+            <a:r>
+              <a:rPr lang="es-ES" dirty="0">
+                <a:solidFill>
+                  <a:schemeClr val="bg1"/>
+                </a:solidFill>
+              </a:rPr>
+              <a:t>El resultado final de nuestra aplicación debería de ser algo parecido a la siguiente navegación: </a:t>
             </a:r>
           </a:p>
         </p:txBody>
